--- a/质量内建体系说明.pptx
+++ b/质量内建体系说明.pptx
@@ -241,7 +241,7 @@
           <a:p>
             <a:fld id="{52FE0D20-9DC2-47B0-AAF3-86EC73241C02}" type="datetimeFigureOut">
               <a:rPr lang="en-US" smtClean="0"/>
-              <a:t>1/10/19</a:t>
+              <a:t>1/14/19</a:t>
             </a:fld>
             <a:endParaRPr lang="en-US"/>
           </a:p>
@@ -640,7 +640,7 @@
           <a:p>
             <a:fld id="{5126996D-FF91-48F6-B4C1-3B10616C7377}" type="datetime1">
               <a:rPr lang="en-US" smtClean="0"/>
-              <a:t>1/10/19</a:t>
+              <a:t>1/14/19</a:t>
             </a:fld>
             <a:endParaRPr lang="en-US"/>
           </a:p>
@@ -811,7 +811,7 @@
           <a:p>
             <a:fld id="{5126996D-FF91-48F6-B4C1-3B10616C7377}" type="datetime1">
               <a:rPr lang="en-US" smtClean="0"/>
-              <a:t>1/10/19</a:t>
+              <a:t>1/14/19</a:t>
             </a:fld>
             <a:endParaRPr lang="en-US"/>
           </a:p>
@@ -992,7 +992,7 @@
           <a:p>
             <a:fld id="{5126996D-FF91-48F6-B4C1-3B10616C7377}" type="datetime1">
               <a:rPr lang="en-US" smtClean="0"/>
-              <a:t>1/10/19</a:t>
+              <a:t>1/14/19</a:t>
             </a:fld>
             <a:endParaRPr lang="en-US"/>
           </a:p>
@@ -3395,7 +3395,7 @@
           <a:p>
             <a:fld id="{5126996D-FF91-48F6-B4C1-3B10616C7377}" type="datetime1">
               <a:rPr lang="en-US" smtClean="0"/>
-              <a:t>1/10/19</a:t>
+              <a:t>1/14/19</a:t>
             </a:fld>
             <a:endParaRPr lang="en-US"/>
           </a:p>
@@ -3642,7 +3642,7 @@
           <a:p>
             <a:fld id="{5126996D-FF91-48F6-B4C1-3B10616C7377}" type="datetime1">
               <a:rPr lang="en-US" smtClean="0"/>
-              <a:t>1/10/19</a:t>
+              <a:t>1/14/19</a:t>
             </a:fld>
             <a:endParaRPr lang="en-US"/>
           </a:p>
@@ -3875,7 +3875,7 @@
           <a:p>
             <a:fld id="{5126996D-FF91-48F6-B4C1-3B10616C7377}" type="datetime1">
               <a:rPr lang="en-US" smtClean="0"/>
-              <a:t>1/10/19</a:t>
+              <a:t>1/14/19</a:t>
             </a:fld>
             <a:endParaRPr lang="en-US"/>
           </a:p>
@@ -4243,7 +4243,7 @@
           <a:p>
             <a:fld id="{5126996D-FF91-48F6-B4C1-3B10616C7377}" type="datetime1">
               <a:rPr lang="en-US" smtClean="0"/>
-              <a:t>1/10/19</a:t>
+              <a:t>1/14/19</a:t>
             </a:fld>
             <a:endParaRPr lang="en-US"/>
           </a:p>
@@ -4362,7 +4362,7 @@
           <a:p>
             <a:fld id="{5126996D-FF91-48F6-B4C1-3B10616C7377}" type="datetime1">
               <a:rPr lang="en-US" smtClean="0"/>
-              <a:t>1/10/19</a:t>
+              <a:t>1/14/19</a:t>
             </a:fld>
             <a:endParaRPr lang="en-US"/>
           </a:p>
@@ -4458,7 +4458,7 @@
           <a:p>
             <a:fld id="{5126996D-FF91-48F6-B4C1-3B10616C7377}" type="datetime1">
               <a:rPr lang="en-US" smtClean="0"/>
-              <a:t>1/10/19</a:t>
+              <a:t>1/14/19</a:t>
             </a:fld>
             <a:endParaRPr lang="en-US"/>
           </a:p>
@@ -4736,7 +4736,7 @@
           <a:p>
             <a:fld id="{5126996D-FF91-48F6-B4C1-3B10616C7377}" type="datetime1">
               <a:rPr lang="en-US" smtClean="0"/>
-              <a:t>1/10/19</a:t>
+              <a:t>1/14/19</a:t>
             </a:fld>
             <a:endParaRPr lang="en-US"/>
           </a:p>
@@ -4994,7 +4994,7 @@
           <a:p>
             <a:fld id="{5126996D-FF91-48F6-B4C1-3B10616C7377}" type="datetime1">
               <a:rPr lang="en-US" smtClean="0"/>
-              <a:t>1/10/19</a:t>
+              <a:t>1/14/19</a:t>
             </a:fld>
             <a:endParaRPr lang="en-US"/>
           </a:p>
@@ -5208,7 +5208,7 @@
           <a:p>
             <a:fld id="{5126996D-FF91-48F6-B4C1-3B10616C7377}" type="datetime1">
               <a:rPr lang="en-US" smtClean="0"/>
-              <a:t>1/10/19</a:t>
+              <a:t>1/14/19</a:t>
             </a:fld>
             <a:endParaRPr lang="en-US"/>
           </a:p>
@@ -5653,7 +5653,7 @@
           <p:cNvPr id="3" name="Pentagon 33">
             <a:extLst>
               <a:ext uri="{FF2B5EF4-FFF2-40B4-BE49-F238E27FC236}">
-                <a16:creationId xmlns:a16="http://schemas.microsoft.com/office/drawing/2014/main" xmlns="" id="{B7DA880A-695F-5643-85E5-4B71C7AD0761}"/>
+                <a16:creationId xmlns="" xmlns:a16="http://schemas.microsoft.com/office/drawing/2014/main" id="{B7DA880A-695F-5643-85E5-4B71C7AD0761}"/>
               </a:ext>
             </a:extLst>
           </p:cNvPr>
@@ -5719,7 +5719,7 @@
           <p:cNvPr id="7" name="Pentagon 33">
             <a:extLst>
               <a:ext uri="{FF2B5EF4-FFF2-40B4-BE49-F238E27FC236}">
-                <a16:creationId xmlns:a16="http://schemas.microsoft.com/office/drawing/2014/main" xmlns="" id="{B7DA880A-695F-5643-85E5-4B71C7AD0761}"/>
+                <a16:creationId xmlns="" xmlns:a16="http://schemas.microsoft.com/office/drawing/2014/main" id="{B7DA880A-695F-5643-85E5-4B71C7AD0761}"/>
               </a:ext>
             </a:extLst>
           </p:cNvPr>
@@ -5785,7 +5785,7 @@
           <p:cNvPr id="8" name="Pentagon 33">
             <a:extLst>
               <a:ext uri="{FF2B5EF4-FFF2-40B4-BE49-F238E27FC236}">
-                <a16:creationId xmlns:a16="http://schemas.microsoft.com/office/drawing/2014/main" xmlns="" id="{B7DA880A-695F-5643-85E5-4B71C7AD0761}"/>
+                <a16:creationId xmlns="" xmlns:a16="http://schemas.microsoft.com/office/drawing/2014/main" id="{B7DA880A-695F-5643-85E5-4B71C7AD0761}"/>
               </a:ext>
             </a:extLst>
           </p:cNvPr>
@@ -5851,7 +5851,7 @@
           <p:cNvPr id="9" name="Pentagon 33">
             <a:extLst>
               <a:ext uri="{FF2B5EF4-FFF2-40B4-BE49-F238E27FC236}">
-                <a16:creationId xmlns:a16="http://schemas.microsoft.com/office/drawing/2014/main" xmlns="" id="{B7DA880A-695F-5643-85E5-4B71C7AD0761}"/>
+                <a16:creationId xmlns="" xmlns:a16="http://schemas.microsoft.com/office/drawing/2014/main" id="{B7DA880A-695F-5643-85E5-4B71C7AD0761}"/>
               </a:ext>
             </a:extLst>
           </p:cNvPr>
@@ -5917,7 +5917,7 @@
           <p:cNvPr id="10" name="TextBox 19">
             <a:extLst>
               <a:ext uri="{FF2B5EF4-FFF2-40B4-BE49-F238E27FC236}">
-                <a16:creationId xmlns:a16="http://schemas.microsoft.com/office/drawing/2014/main" xmlns="" id="{016FAB36-056A-7C44-9508-D8E771B0FC26}"/>
+                <a16:creationId xmlns="" xmlns:a16="http://schemas.microsoft.com/office/drawing/2014/main" id="{016FAB36-056A-7C44-9508-D8E771B0FC26}"/>
               </a:ext>
             </a:extLst>
           </p:cNvPr>
@@ -5965,7 +5965,7 @@
           <p:cNvPr id="11" name="Rectangle 4">
             <a:extLst>
               <a:ext uri="{FF2B5EF4-FFF2-40B4-BE49-F238E27FC236}">
-                <a16:creationId xmlns:a16="http://schemas.microsoft.com/office/drawing/2014/main" xmlns="" id="{5B3CF0D4-4063-634E-ABBF-025074387B10}"/>
+                <a16:creationId xmlns="" xmlns:a16="http://schemas.microsoft.com/office/drawing/2014/main" id="{5B3CF0D4-4063-634E-ABBF-025074387B10}"/>
               </a:ext>
             </a:extLst>
           </p:cNvPr>
@@ -6037,7 +6037,7 @@
           <p:cNvPr id="12" name="Rectangle 7">
             <a:extLst>
               <a:ext uri="{FF2B5EF4-FFF2-40B4-BE49-F238E27FC236}">
-                <a16:creationId xmlns:a16="http://schemas.microsoft.com/office/drawing/2014/main" xmlns="" id="{586E3957-3F84-7A45-B03E-896486FCF2D2}"/>
+                <a16:creationId xmlns="" xmlns:a16="http://schemas.microsoft.com/office/drawing/2014/main" id="{586E3957-3F84-7A45-B03E-896486FCF2D2}"/>
               </a:ext>
             </a:extLst>
           </p:cNvPr>
@@ -6099,7 +6099,7 @@
           <p:cNvPr id="13" name="Straight Connector 50">
             <a:extLst>
               <a:ext uri="{FF2B5EF4-FFF2-40B4-BE49-F238E27FC236}">
-                <a16:creationId xmlns:a16="http://schemas.microsoft.com/office/drawing/2014/main" xmlns="" id="{EB706FB2-AFCC-3C43-BDC9-A7000DC5522E}"/>
+                <a16:creationId xmlns="" xmlns:a16="http://schemas.microsoft.com/office/drawing/2014/main" id="{EB706FB2-AFCC-3C43-BDC9-A7000DC5522E}"/>
               </a:ext>
             </a:extLst>
           </p:cNvPr>
@@ -6381,7 +6381,7 @@
           <p:cNvPr id="23" name="Rectangle 47">
             <a:extLst>
               <a:ext uri="{FF2B5EF4-FFF2-40B4-BE49-F238E27FC236}">
-                <a16:creationId xmlns:a16="http://schemas.microsoft.com/office/drawing/2014/main" xmlns="" id="{57F13851-A2CE-1746-AFED-65F306B30327}"/>
+                <a16:creationId xmlns="" xmlns:a16="http://schemas.microsoft.com/office/drawing/2014/main" id="{57F13851-A2CE-1746-AFED-65F306B30327}"/>
               </a:ext>
             </a:extLst>
           </p:cNvPr>
@@ -6656,8 +6656,60 @@
                 <a:ea typeface="Microsoft YaHei" charset="-122"/>
                 <a:cs typeface="Microsoft YaHei" charset="-122"/>
               </a:rPr>
-              <a:t>设计</a:t>
-            </a:r>
+              <a:t>设计原则</a:t>
+            </a:r>
+            <a:endParaRPr lang="en-US" altLang="zh-CN" sz="1000" dirty="0">
+              <a:solidFill>
+                <a:schemeClr val="accent1"/>
+              </a:solidFill>
+              <a:latin typeface="Microsoft YaHei" charset="-122"/>
+              <a:ea typeface="Microsoft YaHei" charset="-122"/>
+              <a:cs typeface="Microsoft YaHei" charset="-122"/>
+            </a:endParaRPr>
+          </a:p>
+          <a:p>
+            <a:r>
+              <a:rPr lang="zh-CN" altLang="en-US" sz="1000" dirty="0" smtClean="0">
+                <a:solidFill>
+                  <a:schemeClr val="accent1"/>
+                </a:solidFill>
+                <a:latin typeface="Microsoft YaHei" charset="-122"/>
+                <a:ea typeface="Microsoft YaHei" charset="-122"/>
+                <a:cs typeface="Microsoft YaHei" charset="-122"/>
+              </a:rPr>
+              <a:t>架构模式</a:t>
+            </a:r>
+            <a:endParaRPr lang="en-US" altLang="zh-CN" sz="1000" dirty="0" smtClean="0">
+              <a:solidFill>
+                <a:schemeClr val="accent1"/>
+              </a:solidFill>
+              <a:latin typeface="Microsoft YaHei" charset="-122"/>
+              <a:ea typeface="Microsoft YaHei" charset="-122"/>
+              <a:cs typeface="Microsoft YaHei" charset="-122"/>
+            </a:endParaRPr>
+          </a:p>
+          <a:p>
+            <a:r>
+              <a:rPr lang="zh-CN" altLang="en-US" sz="1000" dirty="0" smtClean="0">
+                <a:solidFill>
+                  <a:schemeClr val="accent1"/>
+                </a:solidFill>
+                <a:latin typeface="Microsoft YaHei" charset="-122"/>
+                <a:ea typeface="Microsoft YaHei" charset="-122"/>
+                <a:cs typeface="Microsoft YaHei" charset="-122"/>
+              </a:rPr>
+              <a:t>架构原型</a:t>
+            </a:r>
+            <a:endParaRPr lang="en-US" altLang="zh-CN" sz="1000" dirty="0" smtClean="0">
+              <a:solidFill>
+                <a:schemeClr val="accent1"/>
+              </a:solidFill>
+              <a:latin typeface="Microsoft YaHei" charset="-122"/>
+              <a:ea typeface="Microsoft YaHei" charset="-122"/>
+              <a:cs typeface="Microsoft YaHei" charset="-122"/>
+            </a:endParaRPr>
+          </a:p>
+          <a:p>
             <a:r>
               <a:rPr lang="zh-CN" altLang="en-US" sz="1000" dirty="0">
                 <a:solidFill>
@@ -6667,7 +6719,7 @@
                 <a:ea typeface="Microsoft YaHei" charset="-122"/>
                 <a:cs typeface="Microsoft YaHei" charset="-122"/>
               </a:rPr>
-              <a:t>原则</a:t>
+              <a:t>架构决策记录</a:t>
             </a:r>
             <a:endParaRPr lang="en-US" altLang="zh-CN" sz="1000" dirty="0">
               <a:solidFill>
@@ -6680,6 +6732,38 @@
           </a:p>
           <a:p>
             <a:r>
+              <a:rPr lang="zh-CN" altLang="en-US" sz="1000" dirty="0">
+                <a:solidFill>
+                  <a:schemeClr val="accent1"/>
+                </a:solidFill>
+                <a:latin typeface="Microsoft YaHei" charset="-122"/>
+                <a:ea typeface="Microsoft YaHei" charset="-122"/>
+                <a:cs typeface="Microsoft YaHei" charset="-122"/>
+              </a:rPr>
+              <a:t>架构评审</a:t>
+            </a:r>
+            <a:endParaRPr lang="en-US" altLang="zh-CN" sz="1000" dirty="0">
+              <a:solidFill>
+                <a:schemeClr val="accent1"/>
+              </a:solidFill>
+              <a:latin typeface="Microsoft YaHei" charset="-122"/>
+              <a:ea typeface="Microsoft YaHei" charset="-122"/>
+              <a:cs typeface="Microsoft YaHei" charset="-122"/>
+            </a:endParaRPr>
+          </a:p>
+          <a:p>
+            <a:r>
+              <a:rPr lang="zh-CN" altLang="en-US" sz="1000" dirty="0">
+                <a:solidFill>
+                  <a:schemeClr val="accent1"/>
+                </a:solidFill>
+                <a:latin typeface="Microsoft YaHei" charset="-122"/>
+                <a:ea typeface="Microsoft YaHei" charset="-122"/>
+                <a:cs typeface="Microsoft YaHei" charset="-122"/>
+              </a:rPr>
+              <a:t>架构</a:t>
+            </a:r>
+            <a:r>
               <a:rPr lang="zh-CN" altLang="en-US" sz="1000" dirty="0" smtClean="0">
                 <a:solidFill>
                   <a:schemeClr val="accent1"/>
@@ -6688,49 +6772,7 @@
                 <a:ea typeface="Microsoft YaHei" charset="-122"/>
                 <a:cs typeface="Microsoft YaHei" charset="-122"/>
               </a:rPr>
-              <a:t>架构模式</a:t>
-            </a:r>
-            <a:endParaRPr lang="en-US" altLang="zh-CN" sz="1000" dirty="0" smtClean="0">
-              <a:solidFill>
-                <a:schemeClr val="accent1"/>
-              </a:solidFill>
-              <a:latin typeface="Microsoft YaHei" charset="-122"/>
-              <a:ea typeface="Microsoft YaHei" charset="-122"/>
-              <a:cs typeface="Microsoft YaHei" charset="-122"/>
-            </a:endParaRPr>
-          </a:p>
-          <a:p>
-            <a:r>
-              <a:rPr lang="zh-CN" altLang="en-US" sz="1000" dirty="0" smtClean="0">
-                <a:solidFill>
-                  <a:schemeClr val="accent1"/>
-                </a:solidFill>
-                <a:latin typeface="Microsoft YaHei" charset="-122"/>
-                <a:ea typeface="Microsoft YaHei" charset="-122"/>
-                <a:cs typeface="Microsoft YaHei" charset="-122"/>
-              </a:rPr>
-              <a:t>架构原型</a:t>
-            </a:r>
-            <a:endParaRPr lang="en-US" altLang="zh-CN" sz="1000" dirty="0" smtClean="0">
-              <a:solidFill>
-                <a:schemeClr val="accent1"/>
-              </a:solidFill>
-              <a:latin typeface="Microsoft YaHei" charset="-122"/>
-              <a:ea typeface="Microsoft YaHei" charset="-122"/>
-              <a:cs typeface="Microsoft YaHei" charset="-122"/>
-            </a:endParaRPr>
-          </a:p>
-          <a:p>
-            <a:r>
-              <a:rPr lang="zh-CN" altLang="en-US" sz="1000" dirty="0">
-                <a:solidFill>
-                  <a:schemeClr val="accent1"/>
-                </a:solidFill>
-                <a:latin typeface="Microsoft YaHei" charset="-122"/>
-                <a:ea typeface="Microsoft YaHei" charset="-122"/>
-                <a:cs typeface="Microsoft YaHei" charset="-122"/>
-              </a:rPr>
-              <a:t>架构决策记录</a:t>
+              <a:t>可视化</a:t>
             </a:r>
             <a:endParaRPr lang="en-US" altLang="zh-CN" sz="1000" dirty="0">
               <a:solidFill>
@@ -6741,59 +6783,6 @@
               <a:cs typeface="Microsoft YaHei" charset="-122"/>
             </a:endParaRPr>
           </a:p>
-          <a:p>
-            <a:r>
-              <a:rPr lang="zh-CN" altLang="en-US" sz="1000" dirty="0">
-                <a:solidFill>
-                  <a:schemeClr val="accent1"/>
-                </a:solidFill>
-                <a:latin typeface="Microsoft YaHei" charset="-122"/>
-                <a:ea typeface="Microsoft YaHei" charset="-122"/>
-                <a:cs typeface="Microsoft YaHei" charset="-122"/>
-              </a:rPr>
-              <a:t>架构评审</a:t>
-            </a:r>
-            <a:endParaRPr lang="en-US" altLang="zh-CN" sz="1000" dirty="0">
-              <a:solidFill>
-                <a:schemeClr val="accent1"/>
-              </a:solidFill>
-              <a:latin typeface="Microsoft YaHei" charset="-122"/>
-              <a:ea typeface="Microsoft YaHei" charset="-122"/>
-              <a:cs typeface="Microsoft YaHei" charset="-122"/>
-            </a:endParaRPr>
-          </a:p>
-          <a:p>
-            <a:r>
-              <a:rPr lang="zh-CN" altLang="en-US" sz="1000" dirty="0">
-                <a:solidFill>
-                  <a:schemeClr val="accent1"/>
-                </a:solidFill>
-                <a:latin typeface="Microsoft YaHei" charset="-122"/>
-                <a:ea typeface="Microsoft YaHei" charset="-122"/>
-                <a:cs typeface="Microsoft YaHei" charset="-122"/>
-              </a:rPr>
-              <a:t>架构</a:t>
-            </a:r>
-            <a:r>
-              <a:rPr lang="zh-CN" altLang="en-US" sz="1000" dirty="0" smtClean="0">
-                <a:solidFill>
-                  <a:schemeClr val="accent1"/>
-                </a:solidFill>
-                <a:latin typeface="Microsoft YaHei" charset="-122"/>
-                <a:ea typeface="Microsoft YaHei" charset="-122"/>
-                <a:cs typeface="Microsoft YaHei" charset="-122"/>
-              </a:rPr>
-              <a:t>可视化</a:t>
-            </a:r>
-            <a:endParaRPr lang="en-US" altLang="zh-CN" sz="1000" dirty="0">
-              <a:solidFill>
-                <a:schemeClr val="accent1"/>
-              </a:solidFill>
-              <a:latin typeface="Microsoft YaHei" charset="-122"/>
-              <a:ea typeface="Microsoft YaHei" charset="-122"/>
-              <a:cs typeface="Microsoft YaHei" charset="-122"/>
-            </a:endParaRPr>
-          </a:p>
         </p:txBody>
       </p:sp>
       <p:sp>
@@ -6801,7 +6790,7 @@
           <p:cNvPr id="26" name="Rectangle 47">
             <a:extLst>
               <a:ext uri="{FF2B5EF4-FFF2-40B4-BE49-F238E27FC236}">
-                <a16:creationId xmlns:a16="http://schemas.microsoft.com/office/drawing/2014/main" xmlns="" id="{57F13851-A2CE-1746-AFED-65F306B30327}"/>
+                <a16:creationId xmlns="" xmlns:a16="http://schemas.microsoft.com/office/drawing/2014/main" id="{57F13851-A2CE-1746-AFED-65F306B30327}"/>
               </a:ext>
             </a:extLst>
           </p:cNvPr>
@@ -6853,7 +6842,7 @@
           <p:cNvPr id="27" name="Rectangle 47">
             <a:extLst>
               <a:ext uri="{FF2B5EF4-FFF2-40B4-BE49-F238E27FC236}">
-                <a16:creationId xmlns:a16="http://schemas.microsoft.com/office/drawing/2014/main" xmlns="" id="{57F13851-A2CE-1746-AFED-65F306B30327}"/>
+                <a16:creationId xmlns="" xmlns:a16="http://schemas.microsoft.com/office/drawing/2014/main" id="{57F13851-A2CE-1746-AFED-65F306B30327}"/>
               </a:ext>
             </a:extLst>
           </p:cNvPr>
@@ -6905,7 +6894,7 @@
           <p:cNvPr id="28" name="Rectangle 47">
             <a:extLst>
               <a:ext uri="{FF2B5EF4-FFF2-40B4-BE49-F238E27FC236}">
-                <a16:creationId xmlns:a16="http://schemas.microsoft.com/office/drawing/2014/main" xmlns="" id="{57F13851-A2CE-1746-AFED-65F306B30327}"/>
+                <a16:creationId xmlns="" xmlns:a16="http://schemas.microsoft.com/office/drawing/2014/main" id="{57F13851-A2CE-1746-AFED-65F306B30327}"/>
               </a:ext>
             </a:extLst>
           </p:cNvPr>
@@ -8392,7 +8381,7 @@
           <p:cNvPr id="41" name="Rectangle 47">
             <a:extLst>
               <a:ext uri="{FF2B5EF4-FFF2-40B4-BE49-F238E27FC236}">
-                <a16:creationId xmlns:a16="http://schemas.microsoft.com/office/drawing/2014/main" xmlns="" id="{57F13851-A2CE-1746-AFED-65F306B30327}"/>
+                <a16:creationId xmlns="" xmlns:a16="http://schemas.microsoft.com/office/drawing/2014/main" id="{57F13851-A2CE-1746-AFED-65F306B30327}"/>
               </a:ext>
             </a:extLst>
           </p:cNvPr>
@@ -8444,7 +8433,7 @@
           <p:cNvPr id="42" name="Rectangle 47">
             <a:extLst>
               <a:ext uri="{FF2B5EF4-FFF2-40B4-BE49-F238E27FC236}">
-                <a16:creationId xmlns:a16="http://schemas.microsoft.com/office/drawing/2014/main" xmlns="" id="{57F13851-A2CE-1746-AFED-65F306B30327}"/>
+                <a16:creationId xmlns="" xmlns:a16="http://schemas.microsoft.com/office/drawing/2014/main" id="{57F13851-A2CE-1746-AFED-65F306B30327}"/>
               </a:ext>
             </a:extLst>
           </p:cNvPr>
@@ -8496,7 +8485,7 @@
           <p:cNvPr id="43" name="Rectangle 47">
             <a:extLst>
               <a:ext uri="{FF2B5EF4-FFF2-40B4-BE49-F238E27FC236}">
-                <a16:creationId xmlns:a16="http://schemas.microsoft.com/office/drawing/2014/main" xmlns="" id="{57F13851-A2CE-1746-AFED-65F306B30327}"/>
+                <a16:creationId xmlns="" xmlns:a16="http://schemas.microsoft.com/office/drawing/2014/main" id="{57F13851-A2CE-1746-AFED-65F306B30327}"/>
               </a:ext>
             </a:extLst>
           </p:cNvPr>
@@ -8548,7 +8537,7 @@
           <p:cNvPr id="44" name="Rectangle 47">
             <a:extLst>
               <a:ext uri="{FF2B5EF4-FFF2-40B4-BE49-F238E27FC236}">
-                <a16:creationId xmlns:a16="http://schemas.microsoft.com/office/drawing/2014/main" xmlns="" id="{57F13851-A2CE-1746-AFED-65F306B30327}"/>
+                <a16:creationId xmlns="" xmlns:a16="http://schemas.microsoft.com/office/drawing/2014/main" id="{57F13851-A2CE-1746-AFED-65F306B30327}"/>
               </a:ext>
             </a:extLst>
           </p:cNvPr>
@@ -9119,7 +9108,7 @@
         <p:spPr>
           <a:xfrm>
             <a:off x="7718759" y="4033402"/>
-            <a:ext cx="838691" cy="400110"/>
+            <a:ext cx="925253" cy="707886"/>
           </a:xfrm>
           <a:prstGeom prst="rect">
             <a:avLst/>
@@ -9149,6 +9138,36 @@
               </a:rPr>
               <a:t>WebDriver</a:t>
             </a:r>
+          </a:p>
+          <a:p>
+            <a:r>
+              <a:rPr lang="en-US" altLang="zh-CN" sz="1000" dirty="0" err="1" smtClean="0">
+                <a:latin typeface="Microsoft YaHei" charset="-122"/>
+                <a:ea typeface="Microsoft YaHei" charset="-122"/>
+                <a:cs typeface="Microsoft YaHei" charset="-122"/>
+              </a:rPr>
+              <a:t>Jmeter</a:t>
+            </a:r>
+            <a:endParaRPr lang="en-US" altLang="zh-CN" sz="1000" u="sng" dirty="0">
+              <a:latin typeface="Microsoft YaHei" charset="-122"/>
+              <a:ea typeface="Microsoft YaHei" charset="-122"/>
+              <a:cs typeface="Microsoft YaHei" charset="-122"/>
+            </a:endParaRPr>
+          </a:p>
+          <a:p>
+            <a:r>
+              <a:rPr lang="en-US" altLang="zh-CN" sz="1000" u="sng" dirty="0" err="1" smtClean="0">
+                <a:latin typeface="Microsoft YaHei" charset="-122"/>
+                <a:ea typeface="Microsoft YaHei" charset="-122"/>
+                <a:cs typeface="Microsoft YaHei" charset="-122"/>
+              </a:rPr>
+              <a:t>LoadRunner</a:t>
+            </a:r>
+            <a:endParaRPr lang="en-US" altLang="zh-CN" sz="1000" dirty="0">
+              <a:latin typeface="Microsoft YaHei" charset="-122"/>
+              <a:ea typeface="Microsoft YaHei" charset="-122"/>
+              <a:cs typeface="Microsoft YaHei" charset="-122"/>
+            </a:endParaRPr>
           </a:p>
         </p:txBody>
       </p:sp>
